--- a/Architecture.pptx
+++ b/Architecture.pptx
@@ -104,6 +104,11 @@
       </a:defRPr>
     </a:lvl9pPr>
   </p:defaultTextStyle>
+  <p:extLst>
+    <p:ext uri="{EFAFB233-063F-42B5-8137-9DF3F51BA10A}">
+      <p15:sldGuideLst xmlns:p15="http://schemas.microsoft.com/office/powerpoint/2012/main"/>
+    </p:ext>
+  </p:extLst>
 </p:presentation>
 </file>
 
@@ -152,7 +157,6 @@
               <a:rPr lang="en-US"/>
               <a:t>Click to edit Master title style</a:t>
             </a:r>
-            <a:endParaRPr lang="en-US"/>
           </a:p>
         </p:txBody>
       </p:sp>
@@ -217,7 +221,6 @@
               <a:rPr lang="en-US"/>
               <a:t>Click to edit Master subtitle style</a:t>
             </a:r>
-            <a:endParaRPr lang="en-US"/>
           </a:p>
         </p:txBody>
       </p:sp>
@@ -238,7 +241,7 @@
           <a:p>
             <a:fld id="{7F4C6C6B-3311-4572-8436-4590E17B3965}" type="datetimeFigureOut">
               <a:rPr lang="en-US" smtClean="0"/>
-              <a:t>3/23/2017</a:t>
+              <a:t>3/24/2017</a:t>
             </a:fld>
             <a:endParaRPr lang="en-US"/>
           </a:p>
@@ -335,7 +338,6 @@
               <a:rPr lang="en-US"/>
               <a:t>Click to edit Master title style</a:t>
             </a:r>
-            <a:endParaRPr lang="en-US"/>
           </a:p>
         </p:txBody>
       </p:sp>
@@ -387,7 +389,6 @@
               <a:rPr lang="en-US"/>
               <a:t>Fifth level</a:t>
             </a:r>
-            <a:endParaRPr lang="en-US"/>
           </a:p>
         </p:txBody>
       </p:sp>
@@ -408,7 +409,7 @@
           <a:p>
             <a:fld id="{7F4C6C6B-3311-4572-8436-4590E17B3965}" type="datetimeFigureOut">
               <a:rPr lang="en-US" smtClean="0"/>
-              <a:t>3/23/2017</a:t>
+              <a:t>3/24/2017</a:t>
             </a:fld>
             <a:endParaRPr lang="en-US"/>
           </a:p>
@@ -510,7 +511,6 @@
               <a:rPr lang="en-US"/>
               <a:t>Click to edit Master title style</a:t>
             </a:r>
-            <a:endParaRPr lang="en-US"/>
           </a:p>
         </p:txBody>
       </p:sp>
@@ -567,7 +567,6 @@
               <a:rPr lang="en-US"/>
               <a:t>Fifth level</a:t>
             </a:r>
-            <a:endParaRPr lang="en-US"/>
           </a:p>
         </p:txBody>
       </p:sp>
@@ -588,7 +587,7 @@
           <a:p>
             <a:fld id="{7F4C6C6B-3311-4572-8436-4590E17B3965}" type="datetimeFigureOut">
               <a:rPr lang="en-US" smtClean="0"/>
-              <a:t>3/23/2017</a:t>
+              <a:t>3/24/2017</a:t>
             </a:fld>
             <a:endParaRPr lang="en-US"/>
           </a:p>
@@ -685,7 +684,6 @@
               <a:rPr lang="en-US"/>
               <a:t>Click to edit Master title style</a:t>
             </a:r>
-            <a:endParaRPr lang="en-US"/>
           </a:p>
         </p:txBody>
       </p:sp>
@@ -737,7 +735,6 @@
               <a:rPr lang="en-US"/>
               <a:t>Fifth level</a:t>
             </a:r>
-            <a:endParaRPr lang="en-US"/>
           </a:p>
         </p:txBody>
       </p:sp>
@@ -758,7 +755,7 @@
           <a:p>
             <a:fld id="{7F4C6C6B-3311-4572-8436-4590E17B3965}" type="datetimeFigureOut">
               <a:rPr lang="en-US" smtClean="0"/>
-              <a:t>3/23/2017</a:t>
+              <a:t>3/24/2017</a:t>
             </a:fld>
             <a:endParaRPr lang="en-US"/>
           </a:p>
@@ -864,7 +861,6 @@
               <a:rPr lang="en-US"/>
               <a:t>Click to edit Master title style</a:t>
             </a:r>
-            <a:endParaRPr lang="en-US"/>
           </a:p>
         </p:txBody>
       </p:sp>
@@ -1004,7 +1000,7 @@
           <a:p>
             <a:fld id="{7F4C6C6B-3311-4572-8436-4590E17B3965}" type="datetimeFigureOut">
               <a:rPr lang="en-US" smtClean="0"/>
-              <a:t>3/23/2017</a:t>
+              <a:t>3/24/2017</a:t>
             </a:fld>
             <a:endParaRPr lang="en-US"/>
           </a:p>
@@ -1101,7 +1097,6 @@
               <a:rPr lang="en-US"/>
               <a:t>Click to edit Master title style</a:t>
             </a:r>
-            <a:endParaRPr lang="en-US"/>
           </a:p>
         </p:txBody>
       </p:sp>
@@ -1158,7 +1153,6 @@
               <a:rPr lang="en-US"/>
               <a:t>Fifth level</a:t>
             </a:r>
-            <a:endParaRPr lang="en-US"/>
           </a:p>
         </p:txBody>
       </p:sp>
@@ -1215,7 +1209,6 @@
               <a:rPr lang="en-US"/>
               <a:t>Fifth level</a:t>
             </a:r>
-            <a:endParaRPr lang="en-US"/>
           </a:p>
         </p:txBody>
       </p:sp>
@@ -1236,7 +1229,7 @@
           <a:p>
             <a:fld id="{7F4C6C6B-3311-4572-8436-4590E17B3965}" type="datetimeFigureOut">
               <a:rPr lang="en-US" smtClean="0"/>
-              <a:t>3/23/2017</a:t>
+              <a:t>3/24/2017</a:t>
             </a:fld>
             <a:endParaRPr lang="en-US"/>
           </a:p>
@@ -1338,7 +1331,6 @@
               <a:rPr lang="en-US"/>
               <a:t>Click to edit Master title style</a:t>
             </a:r>
-            <a:endParaRPr lang="en-US"/>
           </a:p>
         </p:txBody>
       </p:sp>
@@ -1460,7 +1452,6 @@
               <a:rPr lang="en-US"/>
               <a:t>Fifth level</a:t>
             </a:r>
-            <a:endParaRPr lang="en-US"/>
           </a:p>
         </p:txBody>
       </p:sp>
@@ -1582,7 +1573,6 @@
               <a:rPr lang="en-US"/>
               <a:t>Fifth level</a:t>
             </a:r>
-            <a:endParaRPr lang="en-US"/>
           </a:p>
         </p:txBody>
       </p:sp>
@@ -1603,7 +1593,7 @@
           <a:p>
             <a:fld id="{7F4C6C6B-3311-4572-8436-4590E17B3965}" type="datetimeFigureOut">
               <a:rPr lang="en-US" smtClean="0"/>
-              <a:t>3/23/2017</a:t>
+              <a:t>3/24/2017</a:t>
             </a:fld>
             <a:endParaRPr lang="en-US"/>
           </a:p>
@@ -1700,7 +1690,6 @@
               <a:rPr lang="en-US"/>
               <a:t>Click to edit Master title style</a:t>
             </a:r>
-            <a:endParaRPr lang="en-US"/>
           </a:p>
         </p:txBody>
       </p:sp>
@@ -1721,7 +1710,7 @@
           <a:p>
             <a:fld id="{7F4C6C6B-3311-4572-8436-4590E17B3965}" type="datetimeFigureOut">
               <a:rPr lang="en-US" smtClean="0"/>
-              <a:t>3/23/2017</a:t>
+              <a:t>3/24/2017</a:t>
             </a:fld>
             <a:endParaRPr lang="en-US"/>
           </a:p>
@@ -1816,7 +1805,7 @@
           <a:p>
             <a:fld id="{7F4C6C6B-3311-4572-8436-4590E17B3965}" type="datetimeFigureOut">
               <a:rPr lang="en-US" smtClean="0"/>
-              <a:t>3/23/2017</a:t>
+              <a:t>3/24/2017</a:t>
             </a:fld>
             <a:endParaRPr lang="en-US"/>
           </a:p>
@@ -1922,7 +1911,6 @@
               <a:rPr lang="en-US"/>
               <a:t>Click to edit Master title style</a:t>
             </a:r>
-            <a:endParaRPr lang="en-US"/>
           </a:p>
         </p:txBody>
       </p:sp>
@@ -2007,7 +1995,6 @@
               <a:rPr lang="en-US"/>
               <a:t>Fifth level</a:t>
             </a:r>
-            <a:endParaRPr lang="en-US"/>
           </a:p>
         </p:txBody>
       </p:sp>
@@ -2093,7 +2080,7 @@
           <a:p>
             <a:fld id="{7F4C6C6B-3311-4572-8436-4590E17B3965}" type="datetimeFigureOut">
               <a:rPr lang="en-US" smtClean="0"/>
-              <a:t>3/23/2017</a:t>
+              <a:t>3/24/2017</a:t>
             </a:fld>
             <a:endParaRPr lang="en-US"/>
           </a:p>
@@ -2199,7 +2186,6 @@
               <a:rPr lang="en-US"/>
               <a:t>Click to edit Master title style</a:t>
             </a:r>
-            <a:endParaRPr lang="en-US"/>
           </a:p>
         </p:txBody>
       </p:sp>
@@ -2346,7 +2332,7 @@
           <a:p>
             <a:fld id="{7F4C6C6B-3311-4572-8436-4590E17B3965}" type="datetimeFigureOut">
               <a:rPr lang="en-US" smtClean="0"/>
-              <a:t>3/23/2017</a:t>
+              <a:t>3/24/2017</a:t>
             </a:fld>
             <a:endParaRPr lang="en-US"/>
           </a:p>
@@ -2458,7 +2444,6 @@
               <a:rPr lang="en-US"/>
               <a:t>Click to edit Master title style</a:t>
             </a:r>
-            <a:endParaRPr lang="en-US"/>
           </a:p>
         </p:txBody>
       </p:sp>
@@ -2520,7 +2505,6 @@
               <a:rPr lang="en-US"/>
               <a:t>Fifth level</a:t>
             </a:r>
-            <a:endParaRPr lang="en-US"/>
           </a:p>
         </p:txBody>
       </p:sp>
@@ -2559,7 +2543,7 @@
           <a:p>
             <a:fld id="{7F4C6C6B-3311-4572-8436-4590E17B3965}" type="datetimeFigureOut">
               <a:rPr lang="en-US" smtClean="0"/>
-              <a:t>3/23/2017</a:t>
+              <a:t>3/24/2017</a:t>
             </a:fld>
             <a:endParaRPr lang="en-US"/>
           </a:p>
@@ -2964,109 +2948,77 @@
           <a:chExt cx="0" cy="0"/>
         </a:xfrm>
       </p:grpSpPr>
-      <p:sp>
-        <p:nvSpPr>
-          <p:cNvPr id="4" name="Rectangle 3"/>
-          <p:cNvSpPr/>
+      <p:pic>
+        <p:nvPicPr>
+          <p:cNvPr id="1026" name="Picture 2" descr="http://tabletmonkeys.com/images/2014/05/Toshiba-Encore-2-10.jpg"/>
+          <p:cNvPicPr>
+            <a:picLocks noChangeAspect="1" noChangeArrowheads="1"/>
+          </p:cNvPicPr>
           <p:nvPr/>
-        </p:nvSpPr>
-        <p:spPr>
+        </p:nvPicPr>
+        <p:blipFill>
+          <a:blip r:embed="rId2">
+            <a:extLst>
+              <a:ext uri="{28A0092B-C50C-407E-A947-70E740481C1C}">
+                <a14:useLocalDpi xmlns:a14="http://schemas.microsoft.com/office/drawing/2010/main" val="0"/>
+              </a:ext>
+            </a:extLst>
+          </a:blip>
+          <a:srcRect/>
+          <a:stretch>
+            <a:fillRect/>
+          </a:stretch>
+        </p:blipFill>
+        <p:spPr bwMode="auto">
           <a:xfrm>
-            <a:off x="1099127" y="2447635"/>
-            <a:ext cx="2364508" cy="1302327"/>
+            <a:off x="1369721" y="1891700"/>
+            <a:ext cx="2093913" cy="1879041"/>
           </a:xfrm>
           <a:prstGeom prst="rect">
             <a:avLst/>
           </a:prstGeom>
-          <a:ln>
-            <a:noFill/>
-          </a:ln>
+          <a:noFill/>
+          <a:extLst>
+            <a:ext uri="{909E8E84-426E-40DD-AFC4-6F175D3DCCD1}">
+              <a14:hiddenFill xmlns:a14="http://schemas.microsoft.com/office/drawing/2010/main">
+                <a:solidFill>
+                  <a:srgbClr val="FFFFFF"/>
+                </a:solidFill>
+              </a14:hiddenFill>
+            </a:ext>
+          </a:extLst>
         </p:spPr>
-        <p:style>
-          <a:lnRef idx="2">
-            <a:schemeClr val="accent1">
-              <a:shade val="50000"/>
-            </a:schemeClr>
-          </a:lnRef>
-          <a:fillRef idx="1">
-            <a:schemeClr val="accent1"/>
-          </a:fillRef>
-          <a:effectRef idx="0">
-            <a:schemeClr val="accent1"/>
-          </a:effectRef>
-          <a:fontRef idx="minor">
-            <a:schemeClr val="lt1"/>
-          </a:fontRef>
-        </p:style>
-        <p:txBody>
-          <a:bodyPr rtlCol="0" anchor="t"/>
-          <a:lstStyle/>
-          <a:p>
-            <a:r>
-              <a:rPr lang="en-US" dirty="0" err="1"/>
-              <a:t>Iomote</a:t>
-            </a:r>
-            <a:r>
-              <a:rPr lang="en-US" dirty="0"/>
-              <a:t> </a:t>
-            </a:r>
-            <a:r>
-              <a:rPr lang="en-US" dirty="0"/>
-              <a:t>Eaves Dropper</a:t>
-            </a:r>
-            <a:endParaRPr lang="en-US" dirty="0"/>
-          </a:p>
-        </p:txBody>
-      </p:sp>
-      <p:sp>
-        <p:nvSpPr>
-          <p:cNvPr id="5" name="Rectangle 4"/>
-          <p:cNvSpPr/>
+      </p:pic>
+      <p:pic>
+        <p:nvPicPr>
+          <p:cNvPr id="3" name="Picture 2"/>
+          <p:cNvPicPr>
+            <a:picLocks noChangeAspect="1"/>
+          </p:cNvPicPr>
           <p:nvPr/>
-        </p:nvSpPr>
+        </p:nvPicPr>
+        <p:blipFill>
+          <a:blip r:embed="rId3">
+            <a:extLst>
+              <a:ext uri="{28A0092B-C50C-407E-A947-70E740481C1C}">
+                <a14:useLocalDpi xmlns:a14="http://schemas.microsoft.com/office/drawing/2010/main" val="0"/>
+              </a:ext>
+            </a:extLst>
+          </a:blip>
+          <a:stretch>
+            <a:fillRect/>
+          </a:stretch>
+        </p:blipFill>
         <p:spPr>
           <a:xfrm>
-            <a:off x="1099125" y="4267197"/>
-            <a:ext cx="2364509" cy="1302327"/>
+            <a:off x="1217467" y="3867723"/>
+            <a:ext cx="1933865" cy="1701801"/>
           </a:xfrm>
           <a:prstGeom prst="rect">
             <a:avLst/>
           </a:prstGeom>
-          <a:ln>
-            <a:noFill/>
-          </a:ln>
         </p:spPr>
-        <p:style>
-          <a:lnRef idx="2">
-            <a:schemeClr val="accent1">
-              <a:shade val="50000"/>
-            </a:schemeClr>
-          </a:lnRef>
-          <a:fillRef idx="1">
-            <a:schemeClr val="accent1"/>
-          </a:fillRef>
-          <a:effectRef idx="0">
-            <a:schemeClr val="accent1"/>
-          </a:effectRef>
-          <a:fontRef idx="minor">
-            <a:schemeClr val="lt1"/>
-          </a:fontRef>
-        </p:style>
-        <p:txBody>
-          <a:bodyPr rtlCol="0" anchor="t"/>
-          <a:lstStyle/>
-          <a:p>
-            <a:r>
-              <a:rPr lang="en-US" dirty="0" err="1"/>
-              <a:t>Iomote</a:t>
-            </a:r>
-            <a:r>
-              <a:rPr lang="en-US" dirty="0"/>
-              <a:t> Device </a:t>
-            </a:r>
-          </a:p>
-        </p:txBody>
-      </p:sp>
+      </p:pic>
       <p:sp>
         <p:nvSpPr>
           <p:cNvPr id="6" name="Rectangle 5"/>
@@ -3075,8 +3027,8 @@
         </p:nvSpPr>
         <p:spPr>
           <a:xfrm>
-            <a:off x="5574144" y="4267198"/>
-            <a:ext cx="2364508" cy="1302327"/>
+            <a:off x="7264397" y="4267196"/>
+            <a:ext cx="2433784" cy="1302327"/>
           </a:xfrm>
           <a:prstGeom prst="rect">
             <a:avLst/>
@@ -3192,20 +3144,19 @@
           <p:cNvPr id="9" name="Straight Arrow Connector 8"/>
           <p:cNvCxnSpPr>
             <a:cxnSpLocks/>
-            <a:stCxn id="4" idx="3"/>
             <a:endCxn id="7" idx="1"/>
           </p:cNvCxnSpPr>
           <p:nvPr/>
         </p:nvCxnSpPr>
         <p:spPr>
           <a:xfrm>
-            <a:off x="3463635" y="3098799"/>
-            <a:ext cx="428339" cy="0"/>
+            <a:off x="2983345" y="3094182"/>
+            <a:ext cx="908629" cy="4617"/>
           </a:xfrm>
           <a:prstGeom prst="straightConnector1">
             <a:avLst/>
           </a:prstGeom>
-          <a:ln w="57150">
+          <a:ln w="28575">
             <a:tailEnd type="triangle"/>
           </a:ln>
         </p:spPr>
@@ -3230,19 +3181,18 @@
           <p:cNvCxnSpPr>
             <a:cxnSpLocks/>
             <a:stCxn id="53" idx="1"/>
-            <a:endCxn id="5" idx="3"/>
           </p:cNvCxnSpPr>
           <p:nvPr/>
         </p:nvCxnSpPr>
         <p:spPr>
-          <a:xfrm flipH="1">
-            <a:off x="3463634" y="4918361"/>
-            <a:ext cx="428340" cy="0"/>
+          <a:xfrm flipH="1" flipV="1">
+            <a:off x="3154326" y="4918359"/>
+            <a:ext cx="737648" cy="2"/>
           </a:xfrm>
           <a:prstGeom prst="straightConnector1">
             <a:avLst/>
           </a:prstGeom>
-          <a:ln w="57150">
+          <a:ln w="28575">
             <a:headEnd type="triangle" w="med" len="med"/>
             <a:tailEnd type="triangle" w="med" len="med"/>
           </a:ln>
@@ -3270,8 +3220,8 @@
         </p:nvSpPr>
         <p:spPr>
           <a:xfrm>
-            <a:off x="8502072" y="4267198"/>
-            <a:ext cx="2355272" cy="1302327"/>
+            <a:off x="7264396" y="2447635"/>
+            <a:ext cx="2433785" cy="1302327"/>
           </a:xfrm>
           <a:prstGeom prst="rect">
             <a:avLst/>
@@ -3327,20 +3277,20 @@
           <p:cNvPr id="17" name="Straight Arrow Connector 16"/>
           <p:cNvCxnSpPr>
             <a:cxnSpLocks/>
-            <a:stCxn id="16" idx="1"/>
-            <a:endCxn id="6" idx="3"/>
+            <a:stCxn id="16" idx="2"/>
+            <a:endCxn id="6" idx="0"/>
           </p:cNvCxnSpPr>
           <p:nvPr/>
         </p:nvCxnSpPr>
         <p:spPr>
-          <a:xfrm flipH="1">
-            <a:off x="7938652" y="4918362"/>
-            <a:ext cx="563420" cy="0"/>
+          <a:xfrm>
+            <a:off x="8481289" y="3749962"/>
+            <a:ext cx="0" cy="517234"/>
           </a:xfrm>
           <a:prstGeom prst="straightConnector1">
             <a:avLst/>
           </a:prstGeom>
-          <a:ln w="57150">
+          <a:ln w="28575">
             <a:headEnd type="triangle" w="med" len="med"/>
             <a:tailEnd type="triangle" w="med" len="med"/>
           </a:ln>
@@ -3368,8 +3318,8 @@
         </p:nvSpPr>
         <p:spPr>
           <a:xfrm>
-            <a:off x="1617515" y="1452416"/>
-            <a:ext cx="1327730" cy="498764"/>
+            <a:off x="3891974" y="1267693"/>
+            <a:ext cx="2364508" cy="498764"/>
           </a:xfrm>
           <a:prstGeom prst="rect">
             <a:avLst/>
@@ -3413,20 +3363,20 @@
           <p:cNvPr id="43" name="Straight Arrow Connector 42"/>
           <p:cNvCxnSpPr>
             <a:cxnSpLocks/>
-            <a:stCxn id="42" idx="2"/>
-            <a:endCxn id="4" idx="0"/>
+            <a:stCxn id="42" idx="1"/>
+            <a:endCxn id="1026" idx="0"/>
           </p:cNvCxnSpPr>
           <p:nvPr/>
         </p:nvCxnSpPr>
         <p:spPr>
-          <a:xfrm>
-            <a:off x="2281380" y="1951180"/>
-            <a:ext cx="1" cy="496455"/>
+          <a:xfrm flipH="1">
+            <a:off x="2416678" y="1517075"/>
+            <a:ext cx="1475296" cy="374625"/>
           </a:xfrm>
           <a:prstGeom prst="straightConnector1">
             <a:avLst/>
           </a:prstGeom>
-          <a:ln w="57150">
+          <a:ln w="28575">
             <a:headEnd type="triangle" w="med" len="med"/>
             <a:tailEnd type="triangle" w="med" len="med"/>
           </a:ln>
@@ -3455,7 +3405,7 @@
         <p:spPr>
           <a:xfrm>
             <a:off x="3891974" y="4267197"/>
-            <a:ext cx="932874" cy="1302327"/>
+            <a:ext cx="2364508" cy="1302327"/>
           </a:xfrm>
           <a:prstGeom prst="rect">
             <a:avLst/>
@@ -3505,14 +3455,14 @@
           <p:nvPr/>
         </p:nvCxnSpPr>
         <p:spPr>
-          <a:xfrm flipH="1" flipV="1">
-            <a:off x="4824848" y="4918361"/>
-            <a:ext cx="749296" cy="1"/>
+          <a:xfrm flipH="1">
+            <a:off x="6256482" y="4918360"/>
+            <a:ext cx="1007915" cy="1"/>
           </a:xfrm>
           <a:prstGeom prst="straightConnector1">
             <a:avLst/>
           </a:prstGeom>
-          <a:ln w="57150">
+          <a:ln w="28575">
             <a:headEnd type="triangle" w="med" len="med"/>
             <a:tailEnd type="triangle" w="med" len="med"/>
           </a:ln>
@@ -3543,14 +3493,14 @@
           <p:nvPr/>
         </p:nvCxnSpPr>
         <p:spPr>
-          <a:xfrm flipH="1">
-            <a:off x="4358411" y="3749962"/>
-            <a:ext cx="715817" cy="517235"/>
+          <a:xfrm>
+            <a:off x="5074228" y="3749962"/>
+            <a:ext cx="0" cy="517235"/>
           </a:xfrm>
           <a:prstGeom prst="straightConnector1">
             <a:avLst/>
           </a:prstGeom>
-          <a:ln w="57150">
+          <a:ln w="28575">
             <a:tailEnd type="triangle"/>
           </a:ln>
         </p:spPr>
